--- a/嵌入式影像處理_0618.pptx
+++ b/嵌入式影像處理_0618.pptx
@@ -5734,6 +5734,36 @@
           </a:p>
         </p:txBody>
       </p:sp>
+      <p:pic>
+        <p:nvPicPr>
+          <p:cNvPr id="4" name="圖片 3">
+            <a:extLst>
+              <a:ext uri="{FF2B5EF4-FFF2-40B4-BE49-F238E27FC236}">
+                <a16:creationId xmlns:a16="http://schemas.microsoft.com/office/drawing/2014/main" id="{CDBFC9CF-3D56-4CB4-9944-1698F6DD1638}"/>
+              </a:ext>
+            </a:extLst>
+          </p:cNvPr>
+          <p:cNvPicPr>
+            <a:picLocks noChangeAspect="1"/>
+          </p:cNvPicPr>
+          <p:nvPr/>
+        </p:nvPicPr>
+        <p:blipFill>
+          <a:blip r:embed="rId3"/>
+          <a:stretch>
+            <a:fillRect/>
+          </a:stretch>
+        </p:blipFill>
+        <p:spPr>
+          <a:xfrm>
+            <a:off x="838200" y="1871133"/>
+            <a:ext cx="7629946" cy="982133"/>
+          </a:xfrm>
+          <a:prstGeom prst="rect">
+            <a:avLst/>
+          </a:prstGeom>
+        </p:spPr>
+      </p:pic>
     </p:spTree>
     <p:extLst>
       <p:ext uri="{BB962C8B-B14F-4D97-AF65-F5344CB8AC3E}">
@@ -6997,6 +7027,7 @@
               <a:rPr lang="en-US" altLang="zh-TW" sz="1400" dirty="0">
                 <a:latin typeface="微軟正黑體" panose="020B0604030504040204" pitchFamily="34" charset="-120"/>
                 <a:ea typeface="微軟正黑體" panose="020B0604030504040204" pitchFamily="34" charset="-120"/>
+                <a:hlinkClick r:id="rId7"/>
               </a:rPr>
               <a:t>my_integration.py</a:t>
             </a:r>
@@ -7011,9 +7042,14 @@
               <a:rPr lang="en-US" altLang="zh-TW" sz="1400" dirty="0">
                 <a:latin typeface="微軟正黑體" panose="020B0604030504040204" pitchFamily="34" charset="-120"/>
                 <a:ea typeface="微軟正黑體" panose="020B0604030504040204" pitchFamily="34" charset="-120"/>
-              </a:rPr>
-              <a:t>optical_flow_test.py</a:t>
-            </a:r>
+                <a:hlinkClick r:id="rId8"/>
+              </a:rPr>
+              <a:t>optical_flow_last.py</a:t>
+            </a:r>
+            <a:endParaRPr lang="en-US" altLang="zh-TW" sz="1400" dirty="0">
+              <a:latin typeface="微軟正黑體" panose="020B0604030504040204" pitchFamily="34" charset="-120"/>
+              <a:ea typeface="微軟正黑體" panose="020B0604030504040204" pitchFamily="34" charset="-120"/>
+            </a:endParaRPr>
           </a:p>
         </p:txBody>
       </p:sp>

--- a/嵌入式影像處理_0618.pptx
+++ b/嵌入式影像處理_0618.pptx
@@ -5864,6 +5864,52 @@
             </a:endParaRPr>
           </a:p>
           <a:p>
+            <a:endParaRPr lang="en-US" altLang="zh-TW" dirty="0">
+              <a:latin typeface="Times New Roman" panose="02020603050405020304" pitchFamily="18" charset="0"/>
+              <a:ea typeface="標楷體" panose="03000509000000000000" pitchFamily="65" charset="-120"/>
+            </a:endParaRPr>
+          </a:p>
+        </p:txBody>
+      </p:sp>
+      <p:sp>
+        <p:nvSpPr>
+          <p:cNvPr id="2" name="文字方塊 1">
+            <a:extLst>
+              <a:ext uri="{FF2B5EF4-FFF2-40B4-BE49-F238E27FC236}">
+                <a16:creationId xmlns:a16="http://schemas.microsoft.com/office/drawing/2014/main" id="{B84E26A8-F8A8-4FE7-9445-CD57BF0A1E9B}"/>
+              </a:ext>
+            </a:extLst>
+          </p:cNvPr>
+          <p:cNvSpPr txBox="1"/>
+          <p:nvPr/>
+        </p:nvSpPr>
+        <p:spPr>
+          <a:xfrm>
+            <a:off x="838200" y="1300033"/>
+            <a:ext cx="3474028" cy="369332"/>
+          </a:xfrm>
+          <a:prstGeom prst="rect">
+            <a:avLst/>
+          </a:prstGeom>
+          <a:noFill/>
+        </p:spPr>
+        <p:txBody>
+          <a:bodyPr wrap="none" rtlCol="0">
+            <a:spAutoFit/>
+          </a:bodyPr>
+          <a:lstStyle/>
+          <a:p>
+            <a:pPr marL="285750" indent="-285750">
+              <a:buFont typeface="Arial" panose="020B0604020202020204" pitchFamily="34" charset="0"/>
+              <a:buChar char="•"/>
+            </a:pPr>
+            <a:r>
+              <a:rPr lang="zh-TW" altLang="en-US" dirty="0">
+                <a:latin typeface="Times New Roman" panose="02020603050405020304" pitchFamily="18" charset="0"/>
+                <a:ea typeface="標楷體" panose="03000509000000000000" pitchFamily="65" charset="-120"/>
+              </a:rPr>
+              <a:t>目前光流的輸出結果有待查證</a:t>
+            </a:r>
             <a:endParaRPr lang="en-US" altLang="zh-TW" dirty="0">
               <a:latin typeface="Times New Roman" panose="02020603050405020304" pitchFamily="18" charset="0"/>
               <a:ea typeface="標楷體" panose="03000509000000000000" pitchFamily="65" charset="-120"/>
